--- a/java/docs/12-java-JDBC.pptx
+++ b/java/docs/12-java-JDBC.pptx
@@ -6,13 +6,15 @@
     <p:sldMasterId id="2147483660" r:id="rId2"/>
   </p:sldMasterIdLst>
   <p:notesMasterIdLst>
-    <p:notesMasterId r:id="rId7"/>
+    <p:notesMasterId r:id="rId9"/>
   </p:notesMasterIdLst>
   <p:sldIdLst>
     <p:sldId id="256" r:id="rId3"/>
     <p:sldId id="262" r:id="rId4"/>
     <p:sldId id="263" r:id="rId5"/>
-    <p:sldId id="261" r:id="rId6"/>
+    <p:sldId id="264" r:id="rId6"/>
+    <p:sldId id="265" r:id="rId7"/>
+    <p:sldId id="261" r:id="rId8"/>
   </p:sldIdLst>
   <p:sldSz cx="9144000" cy="6858000" type="screen4x3"/>
   <p:notesSz cx="6858000" cy="9144000"/>
@@ -551,7 +553,7 @@
             <a:fld id="{96901A81-0F01-4EEE-B1B8-8AAFCC661EC4}" type="slidenum">
               <a:rPr lang="zh-CN" altLang="en-US" smtClean="0"/>
               <a:pPr/>
-              <a:t>4</a:t>
+              <a:t>6</a:t>
             </a:fld>
             <a:endParaRPr lang="zh-CN" altLang="en-US"/>
           </a:p>
@@ -40108,6 +40110,320 @@
           <a:chExt cx="0" cy="0"/>
         </a:xfrm>
       </p:grpSpPr>
+      <p:sp>
+        <p:nvSpPr>
+          <p:cNvPr id="2" name="标题 1"/>
+          <p:cNvSpPr>
+            <a:spLocks noGrp="1"/>
+          </p:cNvSpPr>
+          <p:nvPr>
+            <p:ph type="title"/>
+          </p:nvPr>
+        </p:nvSpPr>
+        <p:spPr/>
+        <p:txBody>
+          <a:bodyPr>
+            <a:normAutofit fontScale="90000"/>
+          </a:bodyPr>
+          <a:lstStyle/>
+          <a:p>
+            <a:r>
+              <a:rPr lang="zh-CN" altLang="en-US" dirty="0" smtClean="0"/>
+              <a:t>测试用数据库表</a:t>
+            </a:r>
+            <a:endParaRPr lang="zh-CN" altLang="en-US" dirty="0"/>
+          </a:p>
+        </p:txBody>
+      </p:sp>
+      <p:sp>
+        <p:nvSpPr>
+          <p:cNvPr id="3" name="内容占位符 2"/>
+          <p:cNvSpPr>
+            <a:spLocks noGrp="1"/>
+          </p:cNvSpPr>
+          <p:nvPr>
+            <p:ph idx="1"/>
+          </p:nvPr>
+        </p:nvSpPr>
+        <p:spPr/>
+        <p:txBody>
+          <a:bodyPr>
+            <a:normAutofit fontScale="92500" lnSpcReduction="20000"/>
+          </a:bodyPr>
+          <a:lstStyle/>
+          <a:p>
+            <a:pPr marL="0" indent="0">
+              <a:buNone/>
+            </a:pPr>
+            <a:r>
+              <a:rPr lang="en-US" altLang="zh-CN" dirty="0"/>
+              <a:t>drop table </a:t>
+            </a:r>
+            <a:r>
+              <a:rPr lang="en-US" altLang="zh-CN" dirty="0" err="1"/>
+              <a:t>jdbc_test</a:t>
+            </a:r>
+            <a:r>
+              <a:rPr lang="en-US" altLang="zh-CN" dirty="0"/>
+              <a:t> ;</a:t>
+            </a:r>
+          </a:p>
+          <a:p>
+            <a:pPr marL="0" indent="0">
+              <a:buNone/>
+            </a:pPr>
+            <a:r>
+              <a:rPr lang="en-US" altLang="zh-CN" dirty="0"/>
+              <a:t>CREATE TABLE </a:t>
+            </a:r>
+            <a:r>
+              <a:rPr lang="en-US" altLang="zh-CN" dirty="0" err="1"/>
+              <a:t>jdbc_test</a:t>
+            </a:r>
+            <a:r>
+              <a:rPr lang="en-US" altLang="zh-CN" dirty="0"/>
+              <a:t> (</a:t>
+            </a:r>
+          </a:p>
+          <a:p>
+            <a:pPr marL="0" indent="0">
+              <a:buNone/>
+            </a:pPr>
+            <a:r>
+              <a:rPr lang="en-US" altLang="zh-CN" dirty="0"/>
+              <a:t>  id </a:t>
+            </a:r>
+            <a:r>
+              <a:rPr lang="en-US" altLang="zh-CN" dirty="0" err="1"/>
+              <a:t>int</a:t>
+            </a:r>
+            <a:r>
+              <a:rPr lang="en-US" altLang="zh-CN" dirty="0"/>
+              <a:t>(11) NOT NULL AUTO_INCREMENT,</a:t>
+            </a:r>
+          </a:p>
+          <a:p>
+            <a:pPr marL="0" indent="0">
+              <a:buNone/>
+            </a:pPr>
+            <a:r>
+              <a:rPr lang="en-US" altLang="zh-CN" dirty="0"/>
+              <a:t>  name varchar(255) DEFAULT NULL,</a:t>
+            </a:r>
+          </a:p>
+          <a:p>
+            <a:pPr marL="0" indent="0">
+              <a:buNone/>
+            </a:pPr>
+            <a:r>
+              <a:rPr lang="en-US" altLang="zh-CN" dirty="0"/>
+              <a:t>  age </a:t>
+            </a:r>
+            <a:r>
+              <a:rPr lang="en-US" altLang="zh-CN" dirty="0" err="1"/>
+              <a:t>int</a:t>
+            </a:r>
+            <a:r>
+              <a:rPr lang="en-US" altLang="zh-CN" dirty="0"/>
+              <a:t>(11) DEFAULT NULL,</a:t>
+            </a:r>
+          </a:p>
+          <a:p>
+            <a:pPr marL="0" indent="0">
+              <a:buNone/>
+            </a:pPr>
+            <a:r>
+              <a:rPr lang="en-US" altLang="zh-CN" dirty="0"/>
+              <a:t>  PRIMARY KEY (id)</a:t>
+            </a:r>
+          </a:p>
+          <a:p>
+            <a:pPr marL="0" indent="0">
+              <a:buNone/>
+            </a:pPr>
+            <a:r>
+              <a:rPr lang="en-US" altLang="zh-CN" dirty="0"/>
+              <a:t>) ENGINE=</a:t>
+            </a:r>
+            <a:r>
+              <a:rPr lang="en-US" altLang="zh-CN" dirty="0" err="1"/>
+              <a:t>InnoDB</a:t>
+            </a:r>
+            <a:r>
+              <a:rPr lang="en-US" altLang="zh-CN" dirty="0"/>
+              <a:t> AUTO_INCREMENT=6 DEFAULT CHARSET=utf8;</a:t>
+            </a:r>
+          </a:p>
+          <a:p>
+            <a:pPr marL="0" indent="0">
+              <a:buNone/>
+            </a:pPr>
+            <a:endParaRPr lang="en-US" altLang="zh-CN" dirty="0"/>
+          </a:p>
+          <a:p>
+            <a:pPr marL="0" indent="0">
+              <a:buNone/>
+            </a:pPr>
+            <a:r>
+              <a:rPr lang="en-US" altLang="zh-CN" dirty="0"/>
+              <a:t>INSERT INTO </a:t>
+            </a:r>
+            <a:r>
+              <a:rPr lang="en-US" altLang="zh-CN" dirty="0" err="1"/>
+              <a:t>jdbc_test</a:t>
+            </a:r>
+            <a:r>
+              <a:rPr lang="en-US" altLang="zh-CN" dirty="0"/>
+              <a:t>(name) VALUES ('CN');</a:t>
+            </a:r>
+          </a:p>
+          <a:p>
+            <a:pPr marL="0" indent="0">
+              <a:buNone/>
+            </a:pPr>
+            <a:endParaRPr lang="zh-CN" altLang="en-US" dirty="0"/>
+          </a:p>
+        </p:txBody>
+      </p:sp>
+    </p:spTree>
+    <p:extLst>
+      <p:ext uri="{BB962C8B-B14F-4D97-AF65-F5344CB8AC3E}">
+        <p14:creationId xmlns:p14="http://schemas.microsoft.com/office/powerpoint/2010/main" val="265509038"/>
+      </p:ext>
+    </p:extLst>
+  </p:cSld>
+  <p:clrMapOvr>
+    <a:masterClrMapping/>
+  </p:clrMapOvr>
+</p:sld>
+</file>
+
+<file path=ppt/slides/slide5.xml><?xml version="1.0" encoding="utf-8"?>
+<p:sld xmlns:a="http://schemas.openxmlformats.org/drawingml/2006/main" xmlns:r="http://schemas.openxmlformats.org/officeDocument/2006/relationships" xmlns:p="http://schemas.openxmlformats.org/presentationml/2006/main">
+  <p:cSld>
+    <p:spTree>
+      <p:nvGrpSpPr>
+        <p:cNvPr id="1" name=""/>
+        <p:cNvGrpSpPr/>
+        <p:nvPr/>
+      </p:nvGrpSpPr>
+      <p:grpSpPr>
+        <a:xfrm>
+          <a:off x="0" y="0"/>
+          <a:ext cx="0" cy="0"/>
+          <a:chOff x="0" y="0"/>
+          <a:chExt cx="0" cy="0"/>
+        </a:xfrm>
+      </p:grpSpPr>
+      <p:sp>
+        <p:nvSpPr>
+          <p:cNvPr id="2" name="标题 1"/>
+          <p:cNvSpPr>
+            <a:spLocks noGrp="1"/>
+          </p:cNvSpPr>
+          <p:nvPr>
+            <p:ph type="title"/>
+          </p:nvPr>
+        </p:nvSpPr>
+        <p:spPr/>
+        <p:txBody>
+          <a:bodyPr>
+            <a:normAutofit fontScale="90000"/>
+          </a:bodyPr>
+          <a:lstStyle/>
+          <a:p>
+            <a:r>
+              <a:rPr lang="zh-CN" altLang="en-US" dirty="0" smtClean="0"/>
+              <a:t>程序中进行数据库连接的数据</a:t>
+            </a:r>
+            <a:endParaRPr lang="zh-CN" altLang="en-US" dirty="0"/>
+          </a:p>
+        </p:txBody>
+      </p:sp>
+      <p:sp>
+        <p:nvSpPr>
+          <p:cNvPr id="3" name="内容占位符 2"/>
+          <p:cNvSpPr>
+            <a:spLocks noGrp="1"/>
+          </p:cNvSpPr>
+          <p:nvPr>
+            <p:ph idx="1"/>
+          </p:nvPr>
+        </p:nvSpPr>
+        <p:spPr/>
+        <p:txBody>
+          <a:bodyPr/>
+          <a:lstStyle/>
+          <a:p>
+            <a:pPr marL="0" indent="0">
+              <a:buNone/>
+            </a:pPr>
+            <a:r>
+              <a:rPr lang="zh-CN" altLang="en-US" dirty="0" smtClean="0"/>
+              <a:t>在每个测试程序中使用了下列数据库用户：</a:t>
+            </a:r>
+            <a:endParaRPr lang="en-US" altLang="zh-CN" dirty="0" smtClean="0"/>
+          </a:p>
+          <a:p>
+            <a:pPr marL="0" indent="0">
+              <a:buNone/>
+            </a:pPr>
+            <a:r>
+              <a:rPr lang="en-US" altLang="zh-CN" dirty="0" smtClean="0"/>
+              <a:t>User: root</a:t>
+            </a:r>
+          </a:p>
+          <a:p>
+            <a:pPr marL="0" indent="0">
+              <a:buNone/>
+            </a:pPr>
+            <a:r>
+              <a:rPr lang="en-US" altLang="zh-CN" smtClean="0"/>
+              <a:t>Password: </a:t>
+            </a:r>
+            <a:r>
+              <a:rPr lang="en-US" altLang="zh-CN" dirty="0" smtClean="0"/>
+              <a:t>111111</a:t>
+            </a:r>
+          </a:p>
+          <a:p>
+            <a:pPr marL="0" indent="0">
+              <a:buNone/>
+            </a:pPr>
+            <a:endParaRPr lang="zh-CN" altLang="en-US" dirty="0"/>
+          </a:p>
+        </p:txBody>
+      </p:sp>
+    </p:spTree>
+    <p:extLst>
+      <p:ext uri="{BB962C8B-B14F-4D97-AF65-F5344CB8AC3E}">
+        <p14:creationId xmlns:p14="http://schemas.microsoft.com/office/powerpoint/2010/main" val="3103456066"/>
+      </p:ext>
+    </p:extLst>
+  </p:cSld>
+  <p:clrMapOvr>
+    <a:masterClrMapping/>
+  </p:clrMapOvr>
+</p:sld>
+</file>
+
+<file path=ppt/slides/slide6.xml><?xml version="1.0" encoding="utf-8"?>
+<p:sld xmlns:a="http://schemas.openxmlformats.org/drawingml/2006/main" xmlns:r="http://schemas.openxmlformats.org/officeDocument/2006/relationships" xmlns:p="http://schemas.openxmlformats.org/presentationml/2006/main">
+  <p:cSld>
+    <p:spTree>
+      <p:nvGrpSpPr>
+        <p:cNvPr id="1" name=""/>
+        <p:cNvGrpSpPr/>
+        <p:nvPr/>
+      </p:nvGrpSpPr>
+      <p:grpSpPr>
+        <a:xfrm>
+          <a:off x="0" y="0"/>
+          <a:ext cx="0" cy="0"/>
+          <a:chOff x="0" y="0"/>
+          <a:chExt cx="0" cy="0"/>
+        </a:xfrm>
+      </p:grpSpPr>
     </p:spTree>
     <p:extLst>
       <p:ext uri="{BB962C8B-B14F-4D97-AF65-F5344CB8AC3E}">

--- a/java/docs/12-java-JDBC.pptx
+++ b/java/docs/12-java-JDBC.pptx
@@ -39887,6 +39887,13 @@
   <p:clrMapOvr>
     <a:masterClrMapping/>
   </p:clrMapOvr>
+  <p:timing>
+    <p:tnLst>
+      <p:par>
+        <p:cTn id="1" dur="indefinite" restart="never" nodeType="tmRoot"/>
+      </p:par>
+    </p:tnLst>
+  </p:timing>
 </p:sld>
 </file>
 
@@ -40090,6 +40097,13 @@
   <p:clrMapOvr>
     <a:masterClrMapping/>
   </p:clrMapOvr>
+  <p:timing>
+    <p:tnLst>
+      <p:par>
+        <p:cTn id="1" dur="indefinite" restart="never" nodeType="tmRoot"/>
+      </p:par>
+    </p:tnLst>
+  </p:timing>
 </p:sld>
 </file>
 
@@ -40145,10 +40159,15 @@
             <p:ph idx="1"/>
           </p:nvPr>
         </p:nvSpPr>
-        <p:spPr/>
+        <p:spPr>
+          <a:xfrm>
+            <a:off x="395536" y="1600200"/>
+            <a:ext cx="8229600" cy="4525963"/>
+          </a:xfrm>
+        </p:spPr>
         <p:txBody>
           <a:bodyPr>
-            <a:normAutofit fontScale="92500" lnSpcReduction="20000"/>
+            <a:normAutofit fontScale="85000" lnSpcReduction="20000"/>
           </a:bodyPr>
           <a:lstStyle/>
           <a:p>
@@ -40156,8 +40175,30 @@
               <a:buNone/>
             </a:pPr>
             <a:r>
+              <a:rPr lang="en-US" altLang="zh-CN" dirty="0" smtClean="0"/>
+              <a:t>use </a:t>
+            </a:r>
+            <a:r>
+              <a:rPr lang="en-US" altLang="zh-CN" dirty="0" err="1" smtClean="0"/>
+              <a:t>mysql</a:t>
+            </a:r>
+            <a:r>
+              <a:rPr lang="en-US" altLang="zh-CN" smtClean="0"/>
+              <a:t>;</a:t>
+            </a:r>
+            <a:endParaRPr lang="en-US" altLang="zh-CN" dirty="0" smtClean="0"/>
+          </a:p>
+          <a:p>
+            <a:pPr marL="0" indent="0">
+              <a:buNone/>
+            </a:pPr>
+            <a:r>
+              <a:rPr lang="en-US" altLang="zh-CN" dirty="0" smtClean="0"/>
+              <a:t>drop </a:t>
+            </a:r>
+            <a:r>
               <a:rPr lang="en-US" altLang="zh-CN" dirty="0"/>
-              <a:t>drop table </a:t>
+              <a:t>table </a:t>
             </a:r>
             <a:r>
               <a:rPr lang="en-US" altLang="zh-CN" dirty="0" err="1"/>
@@ -40295,6 +40336,13 @@
   <p:clrMapOvr>
     <a:masterClrMapping/>
   </p:clrMapOvr>
+  <p:timing>
+    <p:tnLst>
+      <p:par>
+        <p:cTn id="1" dur="indefinite" restart="never" nodeType="tmRoot"/>
+      </p:par>
+    </p:tnLst>
+  </p:timing>
 </p:sld>
 </file>
 
@@ -40404,6 +40452,13 @@
   <p:clrMapOvr>
     <a:masterClrMapping/>
   </p:clrMapOvr>
+  <p:timing>
+    <p:tnLst>
+      <p:par>
+        <p:cTn id="1" dur="indefinite" restart="never" nodeType="tmRoot"/>
+      </p:par>
+    </p:tnLst>
+  </p:timing>
 </p:sld>
 </file>
 
